--- a/Дипломна работа (AA).pptx
+++ b/Дипломна работа (AA).pptx
@@ -20,9 +20,8 @@
     <p:sldId id="275" r:id="rId14"/>
     <p:sldId id="264" r:id="rId15"/>
     <p:sldId id="265" r:id="rId16"/>
-    <p:sldId id="271" r:id="rId17"/>
-    <p:sldId id="270" r:id="rId18"/>
-    <p:sldId id="268" r:id="rId19"/>
+    <p:sldId id="270" r:id="rId17"/>
+    <p:sldId id="268" r:id="rId18"/>
   </p:sldIdLst>
   <p:sldSz cx="12192000" cy="6858000"/>
   <p:notesSz cx="6858000" cy="9144000"/>
@@ -598,7 +597,7 @@
           <a:p>
             <a:fld id="{EA0C0817-A112-4847-8014-A94B7D2A4EA3}" type="datetime1">
               <a:rPr lang="en-US" smtClean="0"/>
-              <a:t>6/28/22</a:t>
+              <a:t>6/30/22</a:t>
             </a:fld>
             <a:endParaRPr lang="en-US" dirty="0"/>
           </a:p>
@@ -800,7 +799,7 @@
           <a:p>
             <a:fld id="{134F40B7-36AB-4376-BE14-EF7004D79BB9}" type="datetime1">
               <a:rPr lang="en-US" smtClean="0"/>
-              <a:t>6/28/22</a:t>
+              <a:t>6/30/22</a:t>
             </a:fld>
             <a:endParaRPr lang="en-US"/>
           </a:p>
@@ -980,7 +979,7 @@
           <a:p>
             <a:fld id="{FF87CAB8-DCAE-46A5-AADA-B3FAD11A54E0}" type="datetime1">
               <a:rPr lang="en-US" smtClean="0"/>
-              <a:t>6/28/22</a:t>
+              <a:t>6/30/22</a:t>
             </a:fld>
             <a:endParaRPr lang="en-US"/>
           </a:p>
@@ -1150,7 +1149,7 @@
           <a:p>
             <a:fld id="{7332B432-ACDA-4023-A761-2BAB76577B62}" type="datetime1">
               <a:rPr lang="en-US" smtClean="0"/>
-              <a:t>6/28/22</a:t>
+              <a:t>6/30/22</a:t>
             </a:fld>
             <a:endParaRPr lang="en-US"/>
           </a:p>
@@ -1749,7 +1748,7 @@
           <a:p>
             <a:fld id="{D9C646AA-F36E-4540-911D-FFFC0A0EF24A}" type="datetime1">
               <a:rPr lang="en-US" smtClean="0"/>
-              <a:t>6/28/22</a:t>
+              <a:t>6/30/22</a:t>
             </a:fld>
             <a:endParaRPr lang="en-US" dirty="0"/>
           </a:p>
@@ -2069,7 +2068,7 @@
           <a:p>
             <a:fld id="{69186D26-FA5F-4637-B602-B7C2DC34CFD4}" type="datetime1">
               <a:rPr lang="en-US" smtClean="0"/>
-              <a:t>6/28/22</a:t>
+              <a:t>6/30/22</a:t>
             </a:fld>
             <a:endParaRPr lang="en-US"/>
           </a:p>
@@ -2504,7 +2503,7 @@
           <a:p>
             <a:fld id="{8A7F15D8-96D1-4781-BC50-CA8A088B2FE4}" type="datetime1">
               <a:rPr lang="en-US" smtClean="0"/>
-              <a:t>6/28/22</a:t>
+              <a:t>6/30/22</a:t>
             </a:fld>
             <a:endParaRPr lang="en-US"/>
           </a:p>
@@ -2622,7 +2621,7 @@
           <a:p>
             <a:fld id="{F9A96C99-B8F8-4528-BD05-0E16E943DC09}" type="datetime1">
               <a:rPr lang="en-US" smtClean="0"/>
-              <a:t>6/28/22</a:t>
+              <a:t>6/30/22</a:t>
             </a:fld>
             <a:endParaRPr lang="en-US"/>
           </a:p>
@@ -2717,7 +2716,7 @@
           <a:p>
             <a:fld id="{03636942-C211-4B28-8DBD-C953E00AF71B}" type="datetime1">
               <a:rPr lang="en-US" smtClean="0"/>
-              <a:t>6/28/22</a:t>
+              <a:t>6/30/22</a:t>
             </a:fld>
             <a:endParaRPr lang="en-US"/>
           </a:p>
@@ -3134,7 +3133,7 @@
           <a:p>
             <a:fld id="{7E8D12A6-918A-48BD-8CB9-CA713993B0EA}" type="datetime1">
               <a:rPr lang="en-US" smtClean="0"/>
-              <a:t>6/28/22</a:t>
+              <a:t>6/30/22</a:t>
             </a:fld>
             <a:endParaRPr lang="en-US"/>
           </a:p>
@@ -3396,7 +3395,7 @@
             <a:fld id="{E778CE86-875F-4587-BCF6-FA054AFC0D53}" type="datetime1">
               <a:rPr lang="en-US" smtClean="0"/>
               <a:pPr/>
-              <a:t>6/28/22</a:t>
+              <a:t>6/30/22</a:t>
             </a:fld>
             <a:endParaRPr lang="en-US" dirty="0"/>
           </a:p>
@@ -3912,7 +3911,7 @@
           <a:p>
             <a:fld id="{F6FA2B21-3FCD-4721-B95C-427943F61125}" type="datetime1">
               <a:rPr lang="en-US" smtClean="0"/>
-              <a:t>6/28/22</a:t>
+              <a:t>6/30/22</a:t>
             </a:fld>
             <a:endParaRPr lang="en-US"/>
           </a:p>
@@ -5263,6 +5262,59 @@
                       </p:childTnLst>
                     </p:cTn>
                   </p:par>
+                  <p:par>
+                    <p:cTn id="8" fill="hold">
+                      <p:stCondLst>
+                        <p:cond delay="indefinite"/>
+                      </p:stCondLst>
+                      <p:childTnLst>
+                        <p:par>
+                          <p:cTn id="9" fill="hold">
+                            <p:stCondLst>
+                              <p:cond delay="0"/>
+                            </p:stCondLst>
+                            <p:childTnLst>
+                              <p:par>
+                                <p:cTn id="10" presetID="9" presetClass="entr" presetSubtype="0" fill="hold" nodeType="clickEffect">
+                                  <p:stCondLst>
+                                    <p:cond delay="0"/>
+                                  </p:stCondLst>
+                                  <p:childTnLst>
+                                    <p:set>
+                                      <p:cBhvr>
+                                        <p:cTn id="11" dur="1" fill="hold">
+                                          <p:stCondLst>
+                                            <p:cond delay="0"/>
+                                          </p:stCondLst>
+                                        </p:cTn>
+                                        <p:tgtEl>
+                                          <p:spTgt spid="5"/>
+                                        </p:tgtEl>
+                                        <p:attrNameLst>
+                                          <p:attrName>style.visibility</p:attrName>
+                                        </p:attrNameLst>
+                                      </p:cBhvr>
+                                      <p:to>
+                                        <p:strVal val="visible"/>
+                                      </p:to>
+                                    </p:set>
+                                    <p:animEffect transition="in" filter="dissolve">
+                                      <p:cBhvr>
+                                        <p:cTn id="12" dur="500"/>
+                                        <p:tgtEl>
+                                          <p:spTgt spid="5"/>
+                                        </p:tgtEl>
+                                      </p:cBhvr>
+                                    </p:animEffect>
+                                  </p:childTnLst>
+                                </p:cTn>
+                              </p:par>
+                            </p:childTnLst>
+                          </p:cTn>
+                        </p:par>
+                      </p:childTnLst>
+                    </p:cTn>
+                  </p:par>
                 </p:childTnLst>
               </p:cTn>
               <p:prevCondLst>
@@ -5371,7 +5423,7 @@
         </p:blipFill>
         <p:spPr bwMode="auto">
           <a:xfrm>
-            <a:off x="2239372" y="1448697"/>
+            <a:off x="2530474" y="1501911"/>
             <a:ext cx="7131051" cy="4881845"/>
           </a:xfrm>
           <a:prstGeom prst="rect">
@@ -5445,6 +5497,59 @@
                                         <p:cTn id="7" dur="500"/>
                                         <p:tgtEl>
                                           <p:spTgt spid="2"/>
+                                        </p:tgtEl>
+                                      </p:cBhvr>
+                                    </p:animEffect>
+                                  </p:childTnLst>
+                                </p:cTn>
+                              </p:par>
+                            </p:childTnLst>
+                          </p:cTn>
+                        </p:par>
+                      </p:childTnLst>
+                    </p:cTn>
+                  </p:par>
+                  <p:par>
+                    <p:cTn id="8" fill="hold">
+                      <p:stCondLst>
+                        <p:cond delay="indefinite"/>
+                      </p:stCondLst>
+                      <p:childTnLst>
+                        <p:par>
+                          <p:cTn id="9" fill="hold">
+                            <p:stCondLst>
+                              <p:cond delay="0"/>
+                            </p:stCondLst>
+                            <p:childTnLst>
+                              <p:par>
+                                <p:cTn id="10" presetID="9" presetClass="entr" presetSubtype="0" fill="hold" nodeType="clickEffect">
+                                  <p:stCondLst>
+                                    <p:cond delay="0"/>
+                                  </p:stCondLst>
+                                  <p:childTnLst>
+                                    <p:set>
+                                      <p:cBhvr>
+                                        <p:cTn id="11" dur="1" fill="hold">
+                                          <p:stCondLst>
+                                            <p:cond delay="0"/>
+                                          </p:stCondLst>
+                                        </p:cTn>
+                                        <p:tgtEl>
+                                          <p:spTgt spid="6"/>
+                                        </p:tgtEl>
+                                        <p:attrNameLst>
+                                          <p:attrName>style.visibility</p:attrName>
+                                        </p:attrNameLst>
+                                      </p:cBhvr>
+                                      <p:to>
+                                        <p:strVal val="visible"/>
+                                      </p:to>
+                                    </p:set>
+                                    <p:animEffect transition="in" filter="dissolve">
+                                      <p:cBhvr>
+                                        <p:cTn id="12" dur="500"/>
+                                        <p:tgtEl>
+                                          <p:spTgt spid="6"/>
                                         </p:tgtEl>
                                       </p:cBhvr>
                                     </p:animEffect>
@@ -5563,7 +5668,7 @@
         </p:blipFill>
         <p:spPr>
           <a:xfrm>
-            <a:off x="2010084" y="1565909"/>
+            <a:off x="2010084" y="1564622"/>
             <a:ext cx="6779260" cy="4686699"/>
           </a:xfrm>
           <a:prstGeom prst="rect">
@@ -5633,6 +5738,59 @@
                                         <p:cTn id="7" dur="2000"/>
                                         <p:tgtEl>
                                           <p:spTgt spid="2"/>
+                                        </p:tgtEl>
+                                      </p:cBhvr>
+                                    </p:animEffect>
+                                  </p:childTnLst>
+                                </p:cTn>
+                              </p:par>
+                            </p:childTnLst>
+                          </p:cTn>
+                        </p:par>
+                      </p:childTnLst>
+                    </p:cTn>
+                  </p:par>
+                  <p:par>
+                    <p:cTn id="8" fill="hold">
+                      <p:stCondLst>
+                        <p:cond delay="indefinite"/>
+                      </p:stCondLst>
+                      <p:childTnLst>
+                        <p:par>
+                          <p:cTn id="9" fill="hold">
+                            <p:stCondLst>
+                              <p:cond delay="0"/>
+                            </p:stCondLst>
+                            <p:childTnLst>
+                              <p:par>
+                                <p:cTn id="10" presetID="9" presetClass="entr" presetSubtype="0" fill="hold" nodeType="clickEffect">
+                                  <p:stCondLst>
+                                    <p:cond delay="0"/>
+                                  </p:stCondLst>
+                                  <p:childTnLst>
+                                    <p:set>
+                                      <p:cBhvr>
+                                        <p:cTn id="11" dur="1" fill="hold">
+                                          <p:stCondLst>
+                                            <p:cond delay="0"/>
+                                          </p:stCondLst>
+                                        </p:cTn>
+                                        <p:tgtEl>
+                                          <p:spTgt spid="4"/>
+                                        </p:tgtEl>
+                                        <p:attrNameLst>
+                                          <p:attrName>style.visibility</p:attrName>
+                                        </p:attrNameLst>
+                                      </p:cBhvr>
+                                      <p:to>
+                                        <p:strVal val="visible"/>
+                                      </p:to>
+                                    </p:set>
+                                    <p:animEffect transition="in" filter="dissolve">
+                                      <p:cBhvr>
+                                        <p:cTn id="12" dur="500"/>
+                                        <p:tgtEl>
+                                          <p:spTgt spid="4"/>
                                         </p:tgtEl>
                                       </p:cBhvr>
                                     </p:animEffect>
@@ -6196,7 +6354,7 @@
           <a:p>
             <a:r>
               <a:rPr lang="bg-BG" sz="2400" dirty="0"/>
-              <a:t>Клиентът комуникира предимно със сървъра, за да изпраща и получава данни, например, при зареждане на страници, при регистрация на потребител, при добавяне на нов курс.</a:t>
+              <a:t>Клиентът комуникира със сървъра, за да изпраща и получава данни, например, при зареждане на страници, потребител, при добавянето на станция.</a:t>
             </a:r>
           </a:p>
           <a:p>
@@ -6216,42 +6374,16 @@
           <a:p>
             <a:r>
               <a:rPr lang="bg-BG" sz="2400" dirty="0"/>
-              <a:t>Комуникира с </a:t>
-            </a:r>
-            <a:r>
-              <a:rPr lang="en-US" sz="2400" dirty="0"/>
-              <a:t>Dropbox API</a:t>
-            </a:r>
+              <a:t>Сървърът обменя данни със измервателна станция, като праща и получава информация.</a:t>
+            </a:r>
+          </a:p>
+          <a:p>
             <a:r>
               <a:rPr lang="bg-BG" sz="2400" dirty="0"/>
-              <a:t>, за да запазва и получава бинарни файлове, като изображения и видеоклипове.</a:t>
-            </a:r>
-          </a:p>
-          <a:p>
-            <a:r>
-              <a:rPr lang="bg-BG" sz="2400" dirty="0"/>
-              <a:t>Комуникира с </a:t>
-            </a:r>
-            <a:r>
-              <a:rPr lang="en-US" sz="2400" dirty="0"/>
-              <a:t>GitHub API, </a:t>
-            </a:r>
-            <a:r>
-              <a:rPr lang="bg-BG" sz="2400" dirty="0"/>
-              <a:t>за да получава информация за потребителя от </a:t>
-            </a:r>
-            <a:r>
-              <a:rPr lang="en-US" sz="2400" dirty="0"/>
-              <a:t>GitHub</a:t>
-            </a:r>
-            <a:r>
-              <a:rPr lang="bg-BG" sz="2400" dirty="0"/>
-              <a:t> и неговите хранилища</a:t>
-            </a:r>
-            <a:r>
-              <a:rPr lang="en-US" sz="2400" dirty="0"/>
-              <a:t>.</a:t>
-            </a:r>
+              <a:t>Сървърът комуникира с умните контакти, за да ги включва или спира.</a:t>
+            </a:r>
+          </a:p>
+          <a:p>
             <a:endParaRPr lang="bg-BG" sz="2400" dirty="0"/>
           </a:p>
         </p:txBody>
@@ -7119,363 +7251,6 @@
           <p:cNvPr id="2" name="Заглавие 1">
             <a:extLst>
               <a:ext uri="{FF2B5EF4-FFF2-40B4-BE49-F238E27FC236}">
-                <a16:creationId xmlns:a16="http://schemas.microsoft.com/office/drawing/2014/main" id="{06D8BFCE-AC5B-4423-A4A3-6C09F5E8738C}"/>
-              </a:ext>
-            </a:extLst>
-          </p:cNvPr>
-          <p:cNvSpPr>
-            <a:spLocks noGrp="1"/>
-          </p:cNvSpPr>
-          <p:nvPr>
-            <p:ph type="title"/>
-          </p:nvPr>
-        </p:nvSpPr>
-        <p:spPr/>
-        <p:txBody>
-          <a:bodyPr/>
-          <a:lstStyle/>
-          <a:p>
-            <a:endParaRPr lang="en-US" dirty="0"/>
-          </a:p>
-        </p:txBody>
-      </p:sp>
-      <p:pic>
-        <p:nvPicPr>
-          <p:cNvPr id="5" name="Контейнер за съдържание 4">
-            <a:extLst>
-              <a:ext uri="{FF2B5EF4-FFF2-40B4-BE49-F238E27FC236}">
-                <a16:creationId xmlns:a16="http://schemas.microsoft.com/office/drawing/2014/main" id="{04BF593A-54F3-451F-933C-02759024F940}"/>
-              </a:ext>
-            </a:extLst>
-          </p:cNvPr>
-          <p:cNvPicPr>
-            <a:picLocks noGrp="1" noChangeAspect="1"/>
-          </p:cNvPicPr>
-          <p:nvPr>
-            <p:ph idx="1"/>
-          </p:nvPr>
-        </p:nvPicPr>
-        <p:blipFill>
-          <a:blip r:embed="rId2">
-            <a:extLst>
-              <a:ext uri="{28A0092B-C50C-407E-A947-70E740481C1C}">
-                <a14:useLocalDpi xmlns:a14="http://schemas.microsoft.com/office/drawing/2010/main" val="0"/>
-              </a:ext>
-            </a:extLst>
-          </a:blip>
-          <a:stretch>
-            <a:fillRect/>
-          </a:stretch>
-        </p:blipFill>
-        <p:spPr>
-          <a:xfrm>
-            <a:off x="536896" y="417519"/>
-            <a:ext cx="4756557" cy="6022962"/>
-          </a:xfrm>
-        </p:spPr>
-      </p:pic>
-      <p:pic>
-        <p:nvPicPr>
-          <p:cNvPr id="7" name="Картина 6">
-            <a:extLst>
-              <a:ext uri="{FF2B5EF4-FFF2-40B4-BE49-F238E27FC236}">
-                <a16:creationId xmlns:a16="http://schemas.microsoft.com/office/drawing/2014/main" id="{C7BFFB5C-9656-4ED7-B1F3-F4D03CFAA686}"/>
-              </a:ext>
-            </a:extLst>
-          </p:cNvPr>
-          <p:cNvPicPr>
-            <a:picLocks noChangeAspect="1"/>
-          </p:cNvPicPr>
-          <p:nvPr/>
-        </p:nvPicPr>
-        <p:blipFill>
-          <a:blip r:embed="rId3">
-            <a:extLst>
-              <a:ext uri="{28A0092B-C50C-407E-A947-70E740481C1C}">
-                <a14:useLocalDpi xmlns:a14="http://schemas.microsoft.com/office/drawing/2010/main" val="0"/>
-              </a:ext>
-            </a:extLst>
-          </a:blip>
-          <a:stretch>
-            <a:fillRect/>
-          </a:stretch>
-        </p:blipFill>
-        <p:spPr>
-          <a:xfrm>
-            <a:off x="6096000" y="417519"/>
-            <a:ext cx="5497585" cy="3973181"/>
-          </a:xfrm>
-          <a:prstGeom prst="rect">
-            <a:avLst/>
-          </a:prstGeom>
-        </p:spPr>
-      </p:pic>
-    </p:spTree>
-    <p:extLst>
-      <p:ext uri="{BB962C8B-B14F-4D97-AF65-F5344CB8AC3E}">
-        <p14:creationId xmlns:p14="http://schemas.microsoft.com/office/powerpoint/2010/main" val="1541530494"/>
-      </p:ext>
-    </p:extLst>
-  </p:cSld>
-  <p:clrMapOvr>
-    <a:masterClrMapping/>
-  </p:clrMapOvr>
-  <p:transition spd="slow">
-    <p:push dir="u"/>
-  </p:transition>
-  <p:timing>
-    <p:tnLst>
-      <p:par>
-        <p:cTn id="1" dur="indefinite" restart="never" nodeType="tmRoot">
-          <p:childTnLst>
-            <p:seq concurrent="1" nextAc="seek">
-              <p:cTn id="2" dur="indefinite" nodeType="mainSeq">
-                <p:childTnLst>
-                  <p:par>
-                    <p:cTn id="3" fill="hold">
-                      <p:stCondLst>
-                        <p:cond delay="indefinite"/>
-                      </p:stCondLst>
-                      <p:childTnLst>
-                        <p:par>
-                          <p:cTn id="4" fill="hold">
-                            <p:stCondLst>
-                              <p:cond delay="0"/>
-                            </p:stCondLst>
-                            <p:childTnLst>
-                              <p:par>
-                                <p:cTn id="5" presetID="42" presetClass="entr" presetSubtype="0" fill="hold" nodeType="clickEffect">
-                                  <p:stCondLst>
-                                    <p:cond delay="0"/>
-                                  </p:stCondLst>
-                                  <p:childTnLst>
-                                    <p:set>
-                                      <p:cBhvr>
-                                        <p:cTn id="6" dur="1" fill="hold">
-                                          <p:stCondLst>
-                                            <p:cond delay="0"/>
-                                          </p:stCondLst>
-                                        </p:cTn>
-                                        <p:tgtEl>
-                                          <p:spTgt spid="5"/>
-                                        </p:tgtEl>
-                                        <p:attrNameLst>
-                                          <p:attrName>style.visibility</p:attrName>
-                                        </p:attrNameLst>
-                                      </p:cBhvr>
-                                      <p:to>
-                                        <p:strVal val="visible"/>
-                                      </p:to>
-                                    </p:set>
-                                    <p:animEffect transition="in" filter="fade">
-                                      <p:cBhvr>
-                                        <p:cTn id="7" dur="1000"/>
-                                        <p:tgtEl>
-                                          <p:spTgt spid="5"/>
-                                        </p:tgtEl>
-                                      </p:cBhvr>
-                                    </p:animEffect>
-                                    <p:anim calcmode="lin" valueType="num">
-                                      <p:cBhvr>
-                                        <p:cTn id="8" dur="1000" fill="hold"/>
-                                        <p:tgtEl>
-                                          <p:spTgt spid="5"/>
-                                        </p:tgtEl>
-                                        <p:attrNameLst>
-                                          <p:attrName>ppt_x</p:attrName>
-                                        </p:attrNameLst>
-                                      </p:cBhvr>
-                                      <p:tavLst>
-                                        <p:tav tm="0">
-                                          <p:val>
-                                            <p:strVal val="#ppt_x"/>
-                                          </p:val>
-                                        </p:tav>
-                                        <p:tav tm="100000">
-                                          <p:val>
-                                            <p:strVal val="#ppt_x"/>
-                                          </p:val>
-                                        </p:tav>
-                                      </p:tavLst>
-                                    </p:anim>
-                                    <p:anim calcmode="lin" valueType="num">
-                                      <p:cBhvr>
-                                        <p:cTn id="9" dur="1000" fill="hold"/>
-                                        <p:tgtEl>
-                                          <p:spTgt spid="5"/>
-                                        </p:tgtEl>
-                                        <p:attrNameLst>
-                                          <p:attrName>ppt_y</p:attrName>
-                                        </p:attrNameLst>
-                                      </p:cBhvr>
-                                      <p:tavLst>
-                                        <p:tav tm="0">
-                                          <p:val>
-                                            <p:strVal val="#ppt_y+.1"/>
-                                          </p:val>
-                                        </p:tav>
-                                        <p:tav tm="100000">
-                                          <p:val>
-                                            <p:strVal val="#ppt_y"/>
-                                          </p:val>
-                                        </p:tav>
-                                      </p:tavLst>
-                                    </p:anim>
-                                  </p:childTnLst>
-                                </p:cTn>
-                              </p:par>
-                            </p:childTnLst>
-                          </p:cTn>
-                        </p:par>
-                      </p:childTnLst>
-                    </p:cTn>
-                  </p:par>
-                  <p:par>
-                    <p:cTn id="10" fill="hold">
-                      <p:stCondLst>
-                        <p:cond delay="indefinite"/>
-                      </p:stCondLst>
-                      <p:childTnLst>
-                        <p:par>
-                          <p:cTn id="11" fill="hold">
-                            <p:stCondLst>
-                              <p:cond delay="0"/>
-                            </p:stCondLst>
-                            <p:childTnLst>
-                              <p:par>
-                                <p:cTn id="12" presetID="42" presetClass="entr" presetSubtype="0" fill="hold" nodeType="clickEffect">
-                                  <p:stCondLst>
-                                    <p:cond delay="0"/>
-                                  </p:stCondLst>
-                                  <p:childTnLst>
-                                    <p:set>
-                                      <p:cBhvr>
-                                        <p:cTn id="13" dur="1" fill="hold">
-                                          <p:stCondLst>
-                                            <p:cond delay="0"/>
-                                          </p:stCondLst>
-                                        </p:cTn>
-                                        <p:tgtEl>
-                                          <p:spTgt spid="7"/>
-                                        </p:tgtEl>
-                                        <p:attrNameLst>
-                                          <p:attrName>style.visibility</p:attrName>
-                                        </p:attrNameLst>
-                                      </p:cBhvr>
-                                      <p:to>
-                                        <p:strVal val="visible"/>
-                                      </p:to>
-                                    </p:set>
-                                    <p:animEffect transition="in" filter="fade">
-                                      <p:cBhvr>
-                                        <p:cTn id="14" dur="1000"/>
-                                        <p:tgtEl>
-                                          <p:spTgt spid="7"/>
-                                        </p:tgtEl>
-                                      </p:cBhvr>
-                                    </p:animEffect>
-                                    <p:anim calcmode="lin" valueType="num">
-                                      <p:cBhvr>
-                                        <p:cTn id="15" dur="1000" fill="hold"/>
-                                        <p:tgtEl>
-                                          <p:spTgt spid="7"/>
-                                        </p:tgtEl>
-                                        <p:attrNameLst>
-                                          <p:attrName>ppt_x</p:attrName>
-                                        </p:attrNameLst>
-                                      </p:cBhvr>
-                                      <p:tavLst>
-                                        <p:tav tm="0">
-                                          <p:val>
-                                            <p:strVal val="#ppt_x"/>
-                                          </p:val>
-                                        </p:tav>
-                                        <p:tav tm="100000">
-                                          <p:val>
-                                            <p:strVal val="#ppt_x"/>
-                                          </p:val>
-                                        </p:tav>
-                                      </p:tavLst>
-                                    </p:anim>
-                                    <p:anim calcmode="lin" valueType="num">
-                                      <p:cBhvr>
-                                        <p:cTn id="16" dur="1000" fill="hold"/>
-                                        <p:tgtEl>
-                                          <p:spTgt spid="7"/>
-                                        </p:tgtEl>
-                                        <p:attrNameLst>
-                                          <p:attrName>ppt_y</p:attrName>
-                                        </p:attrNameLst>
-                                      </p:cBhvr>
-                                      <p:tavLst>
-                                        <p:tav tm="0">
-                                          <p:val>
-                                            <p:strVal val="#ppt_y+.1"/>
-                                          </p:val>
-                                        </p:tav>
-                                        <p:tav tm="100000">
-                                          <p:val>
-                                            <p:strVal val="#ppt_y"/>
-                                          </p:val>
-                                        </p:tav>
-                                      </p:tavLst>
-                                    </p:anim>
-                                  </p:childTnLst>
-                                </p:cTn>
-                              </p:par>
-                            </p:childTnLst>
-                          </p:cTn>
-                        </p:par>
-                      </p:childTnLst>
-                    </p:cTn>
-                  </p:par>
-                </p:childTnLst>
-              </p:cTn>
-              <p:prevCondLst>
-                <p:cond evt="onPrev" delay="0">
-                  <p:tgtEl>
-                    <p:sldTgt/>
-                  </p:tgtEl>
-                </p:cond>
-              </p:prevCondLst>
-              <p:nextCondLst>
-                <p:cond evt="onNext" delay="0">
-                  <p:tgtEl>
-                    <p:sldTgt/>
-                  </p:tgtEl>
-                </p:cond>
-              </p:nextCondLst>
-            </p:seq>
-          </p:childTnLst>
-        </p:cTn>
-      </p:par>
-    </p:tnLst>
-  </p:timing>
-</p:sld>
-</file>
-
-<file path=ppt/slides/slide17.xml><?xml version="1.0" encoding="utf-8"?>
-<p:sld xmlns:a="http://schemas.openxmlformats.org/drawingml/2006/main" xmlns:r="http://schemas.openxmlformats.org/officeDocument/2006/relationships" xmlns:p="http://schemas.openxmlformats.org/presentationml/2006/main">
-  <p:cSld>
-    <p:spTree>
-      <p:nvGrpSpPr>
-        <p:cNvPr id="1" name=""/>
-        <p:cNvGrpSpPr/>
-        <p:nvPr/>
-      </p:nvGrpSpPr>
-      <p:grpSpPr>
-        <a:xfrm>
-          <a:off x="0" y="0"/>
-          <a:ext cx="0" cy="0"/>
-          <a:chOff x="0" y="0"/>
-          <a:chExt cx="0" cy="0"/>
-        </a:xfrm>
-      </p:grpSpPr>
-      <p:sp>
-        <p:nvSpPr>
-          <p:cNvPr id="2" name="Заглавие 1">
-            <a:extLst>
-              <a:ext uri="{FF2B5EF4-FFF2-40B4-BE49-F238E27FC236}">
                 <a16:creationId xmlns:a16="http://schemas.microsoft.com/office/drawing/2014/main" id="{1A27111F-E6CB-474E-9BD9-1718E5448E7B}"/>
               </a:ext>
             </a:extLst>
@@ -7530,50 +7305,56 @@
           <a:p>
             <a:r>
               <a:rPr lang="en-US" sz="2000" dirty="0"/>
-              <a:t>URL: </a:t>
+              <a:t>Frontend code: </a:t>
             </a:r>
             <a:r>
               <a:rPr lang="en-US" sz="2000" dirty="0">
                 <a:hlinkClick r:id="rId2"/>
               </a:rPr>
-              <a:t>https://learn-to-code-frontend-reliable-platypus-ft.cfapps.sap.hana.ondemand.com/</a:t>
+              <a:t>https://github.com/IvanBorislavovDimitrov/Learn-to-code-frontend</a:t>
             </a:r>
             <a:endParaRPr lang="en-US" sz="2000" dirty="0"/>
           </a:p>
           <a:p>
             <a:r>
               <a:rPr lang="en-US" sz="2000" dirty="0"/>
-              <a:t>Frontend code: </a:t>
+              <a:t>Backend code: </a:t>
             </a:r>
             <a:r>
               <a:rPr lang="en-US" sz="2000" dirty="0">
                 <a:hlinkClick r:id="rId3"/>
               </a:rPr>
-              <a:t>https://github.com/IvanBorislavovDimitrov/Learn-to-code-frontend</a:t>
-            </a:r>
-            <a:endParaRPr lang="en-US" sz="2000" dirty="0"/>
+              <a:t>https://github.com/IvanBorislavovDimitrov/Learn-to-code</a:t>
+            </a:r>
+            <a:endParaRPr lang="bg-BG" sz="2000" dirty="0"/>
           </a:p>
           <a:p>
             <a:r>
               <a:rPr lang="en-US" sz="2000" dirty="0"/>
-              <a:t>Backend code: </a:t>
+              <a:t>Station code: </a:t>
             </a:r>
             <a:r>
               <a:rPr lang="en-US" sz="2000" dirty="0">
                 <a:hlinkClick r:id="rId4"/>
               </a:rPr>
-              <a:t>https://github.com/IvanBorislavovDimitrov/Learn-to-code</a:t>
-            </a:r>
+              <a:t>https://github.com/IvanBorislavovDimitrov/weather-station-sensor</a:t>
+            </a:r>
+            <a:endParaRPr lang="en-US" sz="2000" dirty="0"/>
+          </a:p>
+          <a:p>
+            <a:pPr marL="0" indent="0">
+              <a:buNone/>
+            </a:pPr>
             <a:endParaRPr lang="en-US" sz="2000" dirty="0"/>
           </a:p>
         </p:txBody>
       </p:sp>
       <p:pic>
         <p:nvPicPr>
-          <p:cNvPr id="5" name="Картина 4">
+          <p:cNvPr id="6" name="Картина 12">
             <a:extLst>
               <a:ext uri="{FF2B5EF4-FFF2-40B4-BE49-F238E27FC236}">
-                <a16:creationId xmlns:a16="http://schemas.microsoft.com/office/drawing/2014/main" id="{32675826-9D30-4538-863D-0C80E4ECD4C3}"/>
+                <a16:creationId xmlns:a16="http://schemas.microsoft.com/office/drawing/2014/main" id="{21A0F171-1550-56CD-2316-9899940175F3}"/>
               </a:ext>
             </a:extLst>
           </p:cNvPr>
@@ -7583,38 +7364,30 @@
           <p:nvPr/>
         </p:nvPicPr>
         <p:blipFill>
-          <a:blip r:embed="rId5">
+          <a:blip r:embed="rId5" cstate="print">
             <a:extLst>
               <a:ext uri="{28A0092B-C50C-407E-A947-70E740481C1C}">
                 <a14:useLocalDpi xmlns:a14="http://schemas.microsoft.com/office/drawing/2010/main" val="0"/>
               </a:ext>
             </a:extLst>
           </a:blip>
+          <a:srcRect/>
           <a:stretch>
             <a:fillRect/>
           </a:stretch>
         </p:blipFill>
-        <p:spPr>
-          <a:xfrm rot="963091">
-            <a:off x="6410055" y="2384387"/>
-            <a:ext cx="4872661" cy="2958674"/>
+        <p:spPr bwMode="auto">
+          <a:xfrm rot="733107">
+            <a:off x="6296492" y="2608403"/>
+            <a:ext cx="5035401" cy="2433600"/>
           </a:xfrm>
-          <a:prstGeom prst="roundRect">
-            <a:avLst>
-              <a:gd name="adj" fmla="val 8594"/>
-            </a:avLst>
+          <a:prstGeom prst="rect">
+            <a:avLst/>
           </a:prstGeom>
-          <a:solidFill>
-            <a:srgbClr val="FFFFFF">
-              <a:shade val="85000"/>
-            </a:srgbClr>
-          </a:solidFill>
+          <a:noFill/>
           <a:ln>
             <a:noFill/>
           </a:ln>
-          <a:effectLst>
-            <a:reflection blurRad="12700" stA="38000" endPos="28000" dist="5000" dir="5400000" sy="-100000" algn="bl" rotWithShape="0"/>
-          </a:effectLst>
         </p:spPr>
       </p:pic>
     </p:spTree>
@@ -7925,7 +7698,7 @@
                             </p:stCondLst>
                             <p:childTnLst>
                               <p:par>
-                                <p:cTn id="26" presetID="14" presetClass="entr" presetSubtype="10" fill="hold" nodeType="clickEffect">
+                                <p:cTn id="26" presetID="9" presetClass="entr" presetSubtype="0" fill="hold" nodeType="clickEffect">
                                   <p:stCondLst>
                                     <p:cond delay="0"/>
                                   </p:stCondLst>
@@ -7938,7 +7711,7 @@
                                           </p:stCondLst>
                                         </p:cTn>
                                         <p:tgtEl>
-                                          <p:spTgt spid="5"/>
+                                          <p:spTgt spid="6"/>
                                         </p:tgtEl>
                                         <p:attrNameLst>
                                           <p:attrName>style.visibility</p:attrName>
@@ -7948,11 +7721,11 @@
                                         <p:strVal val="visible"/>
                                       </p:to>
                                     </p:set>
-                                    <p:animEffect transition="in" filter="randombar(horizontal)">
+                                    <p:animEffect transition="in" filter="dissolve">
                                       <p:cBhvr>
                                         <p:cTn id="28" dur="500"/>
                                         <p:tgtEl>
-                                          <p:spTgt spid="5"/>
+                                          <p:spTgt spid="6"/>
                                         </p:tgtEl>
                                       </p:cBhvr>
                                     </p:animEffect>
@@ -7994,7 +7767,7 @@
 </p:sld>
 </file>
 
-<file path=ppt/slides/slide18.xml><?xml version="1.0" encoding="utf-8"?>
+<file path=ppt/slides/slide17.xml><?xml version="1.0" encoding="utf-8"?>
 <p:sld xmlns:a="http://schemas.openxmlformats.org/drawingml/2006/main" xmlns:r="http://schemas.openxmlformats.org/officeDocument/2006/relationships" xmlns:p="http://schemas.openxmlformats.org/presentationml/2006/main">
   <p:cSld>
     <p:spTree>
@@ -8406,7 +8179,7 @@
             <a:pPr algn="just"/>
             <a:r>
               <a:rPr lang="bg-BG" sz="2400" dirty="0"/>
-              <a:t>Предоставя на своите потребители да се регистрират и добавят измервателни станции и умни контактите.</a:t>
+              <a:t>Предоставя на своите потребители да се регистрират и добавят измервателни станции и умни контакти.</a:t>
             </a:r>
           </a:p>
           <a:p>
@@ -9587,7 +9360,7 @@
                             </p:stCondLst>
                             <p:childTnLst>
                               <p:par>
-                                <p:cTn id="5" presetID="10" presetClass="entr" presetSubtype="0" fill="hold" grpId="0" nodeType="clickEffect">
+                                <p:cTn id="5" presetID="9" presetClass="entr" presetSubtype="0" fill="hold" nodeType="clickEffect">
                                   <p:stCondLst>
                                     <p:cond delay="0"/>
                                   </p:stCondLst>
@@ -9600,7 +9373,11 @@
                                           </p:stCondLst>
                                         </p:cTn>
                                         <p:tgtEl>
-                                          <p:spTgt spid="2"/>
+                                          <p:spTgt spid="3">
+                                            <p:txEl>
+                                              <p:pRg st="0" end="0"/>
+                                            </p:txEl>
+                                          </p:spTgt>
                                         </p:tgtEl>
                                         <p:attrNameLst>
                                           <p:attrName>style.visibility</p:attrName>
@@ -9610,11 +9387,15 @@
                                         <p:strVal val="visible"/>
                                       </p:to>
                                     </p:set>
-                                    <p:animEffect transition="in" filter="fade">
+                                    <p:animEffect transition="in" filter="dissolve">
                                       <p:cBhvr>
                                         <p:cTn id="7" dur="500"/>
                                         <p:tgtEl>
-                                          <p:spTgt spid="2"/>
+                                          <p:spTgt spid="3">
+                                            <p:txEl>
+                                              <p:pRg st="0" end="0"/>
+                                            </p:txEl>
+                                          </p:spTgt>
                                         </p:tgtEl>
                                       </p:cBhvr>
                                     </p:animEffect>
@@ -9640,7 +9421,7 @@
                             </p:stCondLst>
                             <p:childTnLst>
                               <p:par>
-                                <p:cTn id="10" presetID="10" presetClass="entr" presetSubtype="0" fill="hold" grpId="0" nodeType="clickEffect">
+                                <p:cTn id="10" presetID="9" presetClass="entr" presetSubtype="0" fill="hold" nodeType="clickEffect">
                                   <p:stCondLst>
                                     <p:cond delay="0"/>
                                   </p:stCondLst>
@@ -9653,11 +9434,7 @@
                                           </p:stCondLst>
                                         </p:cTn>
                                         <p:tgtEl>
-                                          <p:spTgt spid="3">
-                                            <p:txEl>
-                                              <p:pRg st="0" end="0"/>
-                                            </p:txEl>
-                                          </p:spTgt>
+                                          <p:spTgt spid="5"/>
                                         </p:tgtEl>
                                         <p:attrNameLst>
                                           <p:attrName>style.visibility</p:attrName>
@@ -9667,15 +9444,11 @@
                                         <p:strVal val="visible"/>
                                       </p:to>
                                     </p:set>
-                                    <p:animEffect transition="in" filter="fade">
+                                    <p:animEffect transition="in" filter="dissolve">
                                       <p:cBhvr>
                                         <p:cTn id="12" dur="500"/>
                                         <p:tgtEl>
-                                          <p:spTgt spid="3">
-                                            <p:txEl>
-                                              <p:pRg st="0" end="0"/>
-                                            </p:txEl>
-                                          </p:spTgt>
+                                          <p:spTgt spid="5"/>
                                         </p:tgtEl>
                                       </p:cBhvr>
                                     </p:animEffect>
@@ -9701,7 +9474,7 @@
                             </p:stCondLst>
                             <p:childTnLst>
                               <p:par>
-                                <p:cTn id="15" presetID="10" presetClass="entr" presetSubtype="0" fill="hold" nodeType="clickEffect">
+                                <p:cTn id="15" presetID="9" presetClass="entr" presetSubtype="0" fill="hold" nodeType="clickEffect">
                                   <p:stCondLst>
                                     <p:cond delay="0"/>
                                   </p:stCondLst>
@@ -9714,7 +9487,11 @@
                                           </p:stCondLst>
                                         </p:cTn>
                                         <p:tgtEl>
-                                          <p:spTgt spid="5"/>
+                                          <p:spTgt spid="3">
+                                            <p:txEl>
+                                              <p:pRg st="1" end="1"/>
+                                            </p:txEl>
+                                          </p:spTgt>
                                         </p:tgtEl>
                                         <p:attrNameLst>
                                           <p:attrName>style.visibility</p:attrName>
@@ -9724,11 +9501,15 @@
                                         <p:strVal val="visible"/>
                                       </p:to>
                                     </p:set>
-                                    <p:animEffect transition="in" filter="fade">
+                                    <p:animEffect transition="in" filter="dissolve">
                                       <p:cBhvr>
                                         <p:cTn id="17" dur="500"/>
                                         <p:tgtEl>
-                                          <p:spTgt spid="5"/>
+                                          <p:spTgt spid="3">
+                                            <p:txEl>
+                                              <p:pRg st="1" end="1"/>
+                                            </p:txEl>
+                                          </p:spTgt>
                                         </p:tgtEl>
                                       </p:cBhvr>
                                     </p:animEffect>
@@ -9754,7 +9535,7 @@
                             </p:stCondLst>
                             <p:childTnLst>
                               <p:par>
-                                <p:cTn id="20" presetID="10" presetClass="entr" presetSubtype="0" fill="hold" nodeType="clickEffect">
+                                <p:cTn id="20" presetID="9" presetClass="entr" presetSubtype="0" fill="hold" nodeType="clickEffect">
                                   <p:stCondLst>
                                     <p:cond delay="0"/>
                                   </p:stCondLst>
@@ -9767,11 +9548,7 @@
                                           </p:stCondLst>
                                         </p:cTn>
                                         <p:tgtEl>
-                                          <p:spTgt spid="3">
-                                            <p:txEl>
-                                              <p:pRg st="1" end="1"/>
-                                            </p:txEl>
-                                          </p:spTgt>
+                                          <p:spTgt spid="11"/>
                                         </p:tgtEl>
                                         <p:attrNameLst>
                                           <p:attrName>style.visibility</p:attrName>
@@ -9781,15 +9558,46 @@
                                         <p:strVal val="visible"/>
                                       </p:to>
                                     </p:set>
-                                    <p:animEffect transition="in" filter="fade">
+                                    <p:animEffect transition="in" filter="dissolve">
                                       <p:cBhvr>
                                         <p:cTn id="22" dur="500"/>
                                         <p:tgtEl>
-                                          <p:spTgt spid="3">
-                                            <p:txEl>
-                                              <p:pRg st="1" end="1"/>
-                                            </p:txEl>
-                                          </p:spTgt>
+                                          <p:spTgt spid="11"/>
+                                        </p:tgtEl>
+                                      </p:cBhvr>
+                                    </p:animEffect>
+                                  </p:childTnLst>
+                                </p:cTn>
+                              </p:par>
+                              <p:par>
+                                <p:cTn id="23" presetID="9" presetClass="entr" presetSubtype="0" fill="hold" nodeType="withEffect">
+                                  <p:stCondLst>
+                                    <p:cond delay="0"/>
+                                  </p:stCondLst>
+                                  <p:childTnLst>
+                                    <p:set>
+                                      <p:cBhvr>
+                                        <p:cTn id="24" dur="1" fill="hold">
+                                          <p:stCondLst>
+                                            <p:cond delay="0"/>
+                                          </p:stCondLst>
+                                        </p:cTn>
+                                        <p:tgtEl>
+                                          <p:spTgt spid="13"/>
+                                        </p:tgtEl>
+                                        <p:attrNameLst>
+                                          <p:attrName>style.visibility</p:attrName>
+                                        </p:attrNameLst>
+                                      </p:cBhvr>
+                                      <p:to>
+                                        <p:strVal val="visible"/>
+                                      </p:to>
+                                    </p:set>
+                                    <p:animEffect transition="in" filter="dissolve">
+                                      <p:cBhvr>
+                                        <p:cTn id="25" dur="500"/>
+                                        <p:tgtEl>
+                                          <p:spTgt spid="13"/>
                                         </p:tgtEl>
                                       </p:cBhvr>
                                     </p:animEffect>
@@ -9803,67 +9611,36 @@
                     </p:cTn>
                   </p:par>
                   <p:par>
-                    <p:cTn id="23" fill="hold">
+                    <p:cTn id="26" fill="hold">
                       <p:stCondLst>
                         <p:cond delay="indefinite"/>
                       </p:stCondLst>
                       <p:childTnLst>
                         <p:par>
-                          <p:cTn id="24" fill="hold">
+                          <p:cTn id="27" fill="hold">
                             <p:stCondLst>
                               <p:cond delay="0"/>
                             </p:stCondLst>
                             <p:childTnLst>
                               <p:par>
-                                <p:cTn id="25" presetID="10" presetClass="entr" presetSubtype="0" fill="hold" nodeType="clickEffect">
+                                <p:cTn id="28" presetID="9" presetClass="entr" presetSubtype="0" fill="hold" nodeType="clickEffect">
                                   <p:stCondLst>
                                     <p:cond delay="0"/>
                                   </p:stCondLst>
                                   <p:childTnLst>
                                     <p:set>
                                       <p:cBhvr>
-                                        <p:cTn id="26" dur="1" fill="hold">
-                                          <p:stCondLst>
-                                            <p:cond delay="0"/>
-                                          </p:stCondLst>
-                                        </p:cTn>
-                                        <p:tgtEl>
-                                          <p:spTgt spid="13"/>
-                                        </p:tgtEl>
-                                        <p:attrNameLst>
-                                          <p:attrName>style.visibility</p:attrName>
-                                        </p:attrNameLst>
-                                      </p:cBhvr>
-                                      <p:to>
-                                        <p:strVal val="visible"/>
-                                      </p:to>
-                                    </p:set>
-                                    <p:animEffect transition="in" filter="fade">
-                                      <p:cBhvr>
-                                        <p:cTn id="27" dur="500"/>
-                                        <p:tgtEl>
-                                          <p:spTgt spid="13"/>
-                                        </p:tgtEl>
-                                      </p:cBhvr>
-                                    </p:animEffect>
-                                  </p:childTnLst>
-                                </p:cTn>
-                              </p:par>
-                              <p:par>
-                                <p:cTn id="28" presetID="10" presetClass="entr" presetSubtype="0" fill="hold" nodeType="withEffect">
-                                  <p:stCondLst>
-                                    <p:cond delay="0"/>
-                                  </p:stCondLst>
-                                  <p:childTnLst>
-                                    <p:set>
-                                      <p:cBhvr>
                                         <p:cTn id="29" dur="1" fill="hold">
                                           <p:stCondLst>
                                             <p:cond delay="0"/>
                                           </p:stCondLst>
                                         </p:cTn>
                                         <p:tgtEl>
-                                          <p:spTgt spid="11"/>
+                                          <p:spTgt spid="3">
+                                            <p:txEl>
+                                              <p:pRg st="2" end="2"/>
+                                            </p:txEl>
+                                          </p:spTgt>
                                         </p:tgtEl>
                                         <p:attrNameLst>
                                           <p:attrName>style.visibility</p:attrName>
@@ -9873,11 +9650,15 @@
                                         <p:strVal val="visible"/>
                                       </p:to>
                                     </p:set>
-                                    <p:animEffect transition="in" filter="fade">
+                                    <p:animEffect transition="in" filter="dissolve">
                                       <p:cBhvr>
                                         <p:cTn id="30" dur="500"/>
                                         <p:tgtEl>
-                                          <p:spTgt spid="11"/>
+                                          <p:spTgt spid="3">
+                                            <p:txEl>
+                                              <p:pRg st="2" end="2"/>
+                                            </p:txEl>
+                                          </p:spTgt>
                                         </p:tgtEl>
                                       </p:cBhvr>
                                     </p:animEffect>
@@ -9903,7 +9684,7 @@
                             </p:stCondLst>
                             <p:childTnLst>
                               <p:par>
-                                <p:cTn id="33" presetID="10" presetClass="entr" presetSubtype="0" fill="hold" nodeType="clickEffect">
+                                <p:cTn id="33" presetID="9" presetClass="entr" presetSubtype="0" fill="hold" nodeType="clickEffect">
                                   <p:stCondLst>
                                     <p:cond delay="0"/>
                                   </p:stCondLst>
@@ -9916,11 +9697,7 @@
                                           </p:stCondLst>
                                         </p:cTn>
                                         <p:tgtEl>
-                                          <p:spTgt spid="3">
-                                            <p:txEl>
-                                              <p:pRg st="2" end="2"/>
-                                            </p:txEl>
-                                          </p:spTgt>
+                                          <p:spTgt spid="17"/>
                                         </p:tgtEl>
                                         <p:attrNameLst>
                                           <p:attrName>style.visibility</p:attrName>
@@ -9930,15 +9707,11 @@
                                         <p:strVal val="visible"/>
                                       </p:to>
                                     </p:set>
-                                    <p:animEffect transition="in" filter="fade">
+                                    <p:animEffect transition="in" filter="dissolve">
                                       <p:cBhvr>
                                         <p:cTn id="35" dur="500"/>
                                         <p:tgtEl>
-                                          <p:spTgt spid="3">
-                                            <p:txEl>
-                                              <p:pRg st="2" end="2"/>
-                                            </p:txEl>
-                                          </p:spTgt>
+                                          <p:spTgt spid="17"/>
                                         </p:tgtEl>
                                       </p:cBhvr>
                                     </p:animEffect>
@@ -9964,7 +9737,7 @@
                             </p:stCondLst>
                             <p:childTnLst>
                               <p:par>
-                                <p:cTn id="38" presetID="10" presetClass="entr" presetSubtype="0" fill="hold" nodeType="clickEffect">
+                                <p:cTn id="38" presetID="9" presetClass="entr" presetSubtype="0" fill="hold" nodeType="clickEffect">
                                   <p:stCondLst>
                                     <p:cond delay="0"/>
                                   </p:stCondLst>
@@ -9991,7 +9764,7 @@
                                         <p:strVal val="visible"/>
                                       </p:to>
                                     </p:set>
-                                    <p:animEffect transition="in" filter="fade">
+                                    <p:animEffect transition="in" filter="dissolve">
                                       <p:cBhvr>
                                         <p:cTn id="40" dur="500"/>
                                         <p:tgtEl>
@@ -10025,7 +9798,7 @@
                             </p:stCondLst>
                             <p:childTnLst>
                               <p:par>
-                                <p:cTn id="43" presetID="10" presetClass="entr" presetSubtype="0" fill="hold" nodeType="clickEffect">
+                                <p:cTn id="43" presetID="9" presetClass="entr" presetSubtype="0" fill="hold" nodeType="clickEffect">
                                   <p:stCondLst>
                                     <p:cond delay="0"/>
                                   </p:stCondLst>
@@ -10038,7 +9811,7 @@
                                           </p:stCondLst>
                                         </p:cTn>
                                         <p:tgtEl>
-                                          <p:spTgt spid="17"/>
+                                          <p:spTgt spid="8"/>
                                         </p:tgtEl>
                                         <p:attrNameLst>
                                           <p:attrName>style.visibility</p:attrName>
@@ -10048,11 +9821,11 @@
                                         <p:strVal val="visible"/>
                                       </p:to>
                                     </p:set>
-                                    <p:animEffect transition="in" filter="fade">
+                                    <p:animEffect transition="in" filter="dissolve">
                                       <p:cBhvr>
                                         <p:cTn id="45" dur="500"/>
                                         <p:tgtEl>
-                                          <p:spTgt spid="17"/>
+                                          <p:spTgt spid="8"/>
                                         </p:tgtEl>
                                       </p:cBhvr>
                                     </p:animEffect>
@@ -10078,7 +9851,7 @@
                             </p:stCondLst>
                             <p:childTnLst>
                               <p:par>
-                                <p:cTn id="48" presetID="10" presetClass="entr" presetSubtype="0" fill="hold" nodeType="clickEffect">
+                                <p:cTn id="48" presetID="9" presetClass="entr" presetSubtype="0" fill="hold" nodeType="clickEffect">
                                   <p:stCondLst>
                                     <p:cond delay="0"/>
                                   </p:stCondLst>
@@ -10105,7 +9878,7 @@
                                         <p:strVal val="visible"/>
                                       </p:to>
                                     </p:set>
-                                    <p:animEffect transition="in" filter="fade">
+                                    <p:animEffect transition="in" filter="dissolve">
                                       <p:cBhvr>
                                         <p:cTn id="50" dur="500"/>
                                         <p:tgtEl>
@@ -10147,10 +9920,6 @@
         </p:cTn>
       </p:par>
     </p:tnLst>
-    <p:bldLst>
-      <p:bldP spid="2" grpId="0"/>
-      <p:bldP spid="3" grpId="0" uiExpand="1" build="p"/>
-    </p:bldLst>
   </p:timing>
 </p:sld>
 </file>
@@ -10305,6 +10074,59 @@
                                         <p:cTn id="7" dur="500"/>
                                         <p:tgtEl>
                                           <p:spTgt spid="5"/>
+                                        </p:tgtEl>
+                                      </p:cBhvr>
+                                    </p:animEffect>
+                                  </p:childTnLst>
+                                </p:cTn>
+                              </p:par>
+                            </p:childTnLst>
+                          </p:cTn>
+                        </p:par>
+                      </p:childTnLst>
+                    </p:cTn>
+                  </p:par>
+                  <p:par>
+                    <p:cTn id="8" fill="hold">
+                      <p:stCondLst>
+                        <p:cond delay="indefinite"/>
+                      </p:stCondLst>
+                      <p:childTnLst>
+                        <p:par>
+                          <p:cTn id="9" fill="hold">
+                            <p:stCondLst>
+                              <p:cond delay="0"/>
+                            </p:stCondLst>
+                            <p:childTnLst>
+                              <p:par>
+                                <p:cTn id="10" presetID="9" presetClass="entr" presetSubtype="0" fill="hold" nodeType="clickEffect">
+                                  <p:stCondLst>
+                                    <p:cond delay="0"/>
+                                  </p:stCondLst>
+                                  <p:childTnLst>
+                                    <p:set>
+                                      <p:cBhvr>
+                                        <p:cTn id="11" dur="1" fill="hold">
+                                          <p:stCondLst>
+                                            <p:cond delay="0"/>
+                                          </p:stCondLst>
+                                        </p:cTn>
+                                        <p:tgtEl>
+                                          <p:spTgt spid="7"/>
+                                        </p:tgtEl>
+                                        <p:attrNameLst>
+                                          <p:attrName>style.visibility</p:attrName>
+                                        </p:attrNameLst>
+                                      </p:cBhvr>
+                                      <p:to>
+                                        <p:strVal val="visible"/>
+                                      </p:to>
+                                    </p:set>
+                                    <p:animEffect transition="in" filter="dissolve">
+                                      <p:cBhvr>
+                                        <p:cTn id="12" dur="500"/>
+                                        <p:tgtEl>
+                                          <p:spTgt spid="7"/>
                                         </p:tgtEl>
                                       </p:cBhvr>
                                     </p:animEffect>
@@ -11107,6 +10929,59 @@
                       </p:childTnLst>
                     </p:cTn>
                   </p:par>
+                  <p:par>
+                    <p:cTn id="8" fill="hold">
+                      <p:stCondLst>
+                        <p:cond delay="indefinite"/>
+                      </p:stCondLst>
+                      <p:childTnLst>
+                        <p:par>
+                          <p:cTn id="9" fill="hold">
+                            <p:stCondLst>
+                              <p:cond delay="0"/>
+                            </p:stCondLst>
+                            <p:childTnLst>
+                              <p:par>
+                                <p:cTn id="10" presetID="9" presetClass="entr" presetSubtype="0" fill="hold" nodeType="clickEffect">
+                                  <p:stCondLst>
+                                    <p:cond delay="0"/>
+                                  </p:stCondLst>
+                                  <p:childTnLst>
+                                    <p:set>
+                                      <p:cBhvr>
+                                        <p:cTn id="11" dur="1" fill="hold">
+                                          <p:stCondLst>
+                                            <p:cond delay="0"/>
+                                          </p:stCondLst>
+                                        </p:cTn>
+                                        <p:tgtEl>
+                                          <p:spTgt spid="6"/>
+                                        </p:tgtEl>
+                                        <p:attrNameLst>
+                                          <p:attrName>style.visibility</p:attrName>
+                                        </p:attrNameLst>
+                                      </p:cBhvr>
+                                      <p:to>
+                                        <p:strVal val="visible"/>
+                                      </p:to>
+                                    </p:set>
+                                    <p:animEffect transition="in" filter="dissolve">
+                                      <p:cBhvr>
+                                        <p:cTn id="12" dur="500"/>
+                                        <p:tgtEl>
+                                          <p:spTgt spid="6"/>
+                                        </p:tgtEl>
+                                      </p:cBhvr>
+                                    </p:animEffect>
+                                  </p:childTnLst>
+                                </p:cTn>
+                              </p:par>
+                            </p:childTnLst>
+                          </p:cTn>
+                        </p:par>
+                      </p:childTnLst>
+                    </p:cTn>
+                  </p:par>
                 </p:childTnLst>
               </p:cTn>
               <p:prevCondLst>
@@ -11379,6 +11254,59 @@
                                               <p:pRg st="0" end="0"/>
                                             </p:txEl>
                                           </p:spTgt>
+                                        </p:tgtEl>
+                                      </p:cBhvr>
+                                    </p:animEffect>
+                                  </p:childTnLst>
+                                </p:cTn>
+                              </p:par>
+                            </p:childTnLst>
+                          </p:cTn>
+                        </p:par>
+                      </p:childTnLst>
+                    </p:cTn>
+                  </p:par>
+                  <p:par>
+                    <p:cTn id="13" fill="hold">
+                      <p:stCondLst>
+                        <p:cond delay="indefinite"/>
+                      </p:stCondLst>
+                      <p:childTnLst>
+                        <p:par>
+                          <p:cTn id="14" fill="hold">
+                            <p:stCondLst>
+                              <p:cond delay="0"/>
+                            </p:stCondLst>
+                            <p:childTnLst>
+                              <p:par>
+                                <p:cTn id="15" presetID="9" presetClass="entr" presetSubtype="0" fill="hold" nodeType="clickEffect">
+                                  <p:stCondLst>
+                                    <p:cond delay="0"/>
+                                  </p:stCondLst>
+                                  <p:childTnLst>
+                                    <p:set>
+                                      <p:cBhvr>
+                                        <p:cTn id="16" dur="1" fill="hold">
+                                          <p:stCondLst>
+                                            <p:cond delay="0"/>
+                                          </p:stCondLst>
+                                        </p:cTn>
+                                        <p:tgtEl>
+                                          <p:spTgt spid="6"/>
+                                        </p:tgtEl>
+                                        <p:attrNameLst>
+                                          <p:attrName>style.visibility</p:attrName>
+                                        </p:attrNameLst>
+                                      </p:cBhvr>
+                                      <p:to>
+                                        <p:strVal val="visible"/>
+                                      </p:to>
+                                    </p:set>
+                                    <p:animEffect transition="in" filter="dissolve">
+                                      <p:cBhvr>
+                                        <p:cTn id="17" dur="500"/>
+                                        <p:tgtEl>
+                                          <p:spTgt spid="6"/>
                                         </p:tgtEl>
                                       </p:cBhvr>
                                     </p:animEffect>
